--- a/fig/fig.pptx
+++ b/fig/fig.pptx
@@ -104,6 +104,11 @@
       </a:defRPr>
     </a:lvl9pPr>
   </p:defaultTextStyle>
+  <p:extLst>
+    <p:ext uri="{EFAFB233-063F-42B5-8137-9DF3F51BA10A}">
+      <p15:sldGuideLst xmlns:p15="http://schemas.microsoft.com/office/powerpoint/2012/main"/>
+    </p:ext>
+  </p:extLst>
 </p:presentation>
 </file>
 
@@ -238,7 +243,7 @@
           <a:p>
             <a:fld id="{FF3EFFB7-F378-40CB-A481-21C16C14FDD6}" type="datetimeFigureOut">
               <a:rPr lang="zh-TW" altLang="en-US" smtClean="0"/>
-              <a:t>2020/5/26</a:t>
+              <a:t>2020/5/28</a:t>
             </a:fld>
             <a:endParaRPr lang="zh-TW" altLang="en-US"/>
           </a:p>
@@ -408,7 +413,7 @@
           <a:p>
             <a:fld id="{FF3EFFB7-F378-40CB-A481-21C16C14FDD6}" type="datetimeFigureOut">
               <a:rPr lang="zh-TW" altLang="en-US" smtClean="0"/>
-              <a:t>2020/5/26</a:t>
+              <a:t>2020/5/28</a:t>
             </a:fld>
             <a:endParaRPr lang="zh-TW" altLang="en-US"/>
           </a:p>
@@ -588,7 +593,7 @@
           <a:p>
             <a:fld id="{FF3EFFB7-F378-40CB-A481-21C16C14FDD6}" type="datetimeFigureOut">
               <a:rPr lang="zh-TW" altLang="en-US" smtClean="0"/>
-              <a:t>2020/5/26</a:t>
+              <a:t>2020/5/28</a:t>
             </a:fld>
             <a:endParaRPr lang="zh-TW" altLang="en-US"/>
           </a:p>
@@ -758,7 +763,7 @@
           <a:p>
             <a:fld id="{FF3EFFB7-F378-40CB-A481-21C16C14FDD6}" type="datetimeFigureOut">
               <a:rPr lang="zh-TW" altLang="en-US" smtClean="0"/>
-              <a:t>2020/5/26</a:t>
+              <a:t>2020/5/28</a:t>
             </a:fld>
             <a:endParaRPr lang="zh-TW" altLang="en-US"/>
           </a:p>
@@ -1004,7 +1009,7 @@
           <a:p>
             <a:fld id="{FF3EFFB7-F378-40CB-A481-21C16C14FDD6}" type="datetimeFigureOut">
               <a:rPr lang="zh-TW" altLang="en-US" smtClean="0"/>
-              <a:t>2020/5/26</a:t>
+              <a:t>2020/5/28</a:t>
             </a:fld>
             <a:endParaRPr lang="zh-TW" altLang="en-US"/>
           </a:p>
@@ -1236,7 +1241,7 @@
           <a:p>
             <a:fld id="{FF3EFFB7-F378-40CB-A481-21C16C14FDD6}" type="datetimeFigureOut">
               <a:rPr lang="zh-TW" altLang="en-US" smtClean="0"/>
-              <a:t>2020/5/26</a:t>
+              <a:t>2020/5/28</a:t>
             </a:fld>
             <a:endParaRPr lang="zh-TW" altLang="en-US"/>
           </a:p>
@@ -1603,7 +1608,7 @@
           <a:p>
             <a:fld id="{FF3EFFB7-F378-40CB-A481-21C16C14FDD6}" type="datetimeFigureOut">
               <a:rPr lang="zh-TW" altLang="en-US" smtClean="0"/>
-              <a:t>2020/5/26</a:t>
+              <a:t>2020/5/28</a:t>
             </a:fld>
             <a:endParaRPr lang="zh-TW" altLang="en-US"/>
           </a:p>
@@ -1721,7 +1726,7 @@
           <a:p>
             <a:fld id="{FF3EFFB7-F378-40CB-A481-21C16C14FDD6}" type="datetimeFigureOut">
               <a:rPr lang="zh-TW" altLang="en-US" smtClean="0"/>
-              <a:t>2020/5/26</a:t>
+              <a:t>2020/5/28</a:t>
             </a:fld>
             <a:endParaRPr lang="zh-TW" altLang="en-US"/>
           </a:p>
@@ -1816,7 +1821,7 @@
           <a:p>
             <a:fld id="{FF3EFFB7-F378-40CB-A481-21C16C14FDD6}" type="datetimeFigureOut">
               <a:rPr lang="zh-TW" altLang="en-US" smtClean="0"/>
-              <a:t>2020/5/26</a:t>
+              <a:t>2020/5/28</a:t>
             </a:fld>
             <a:endParaRPr lang="zh-TW" altLang="en-US"/>
           </a:p>
@@ -2093,7 +2098,7 @@
           <a:p>
             <a:fld id="{FF3EFFB7-F378-40CB-A481-21C16C14FDD6}" type="datetimeFigureOut">
               <a:rPr lang="zh-TW" altLang="en-US" smtClean="0"/>
-              <a:t>2020/5/26</a:t>
+              <a:t>2020/5/28</a:t>
             </a:fld>
             <a:endParaRPr lang="zh-TW" altLang="en-US"/>
           </a:p>
@@ -2346,7 +2351,7 @@
           <a:p>
             <a:fld id="{FF3EFFB7-F378-40CB-A481-21C16C14FDD6}" type="datetimeFigureOut">
               <a:rPr lang="zh-TW" altLang="en-US" smtClean="0"/>
-              <a:t>2020/5/26</a:t>
+              <a:t>2020/5/28</a:t>
             </a:fld>
             <a:endParaRPr lang="zh-TW" altLang="en-US"/>
           </a:p>
@@ -2559,7 +2564,7 @@
           <a:p>
             <a:fld id="{FF3EFFB7-F378-40CB-A481-21C16C14FDD6}" type="datetimeFigureOut">
               <a:rPr lang="zh-TW" altLang="en-US" smtClean="0"/>
-              <a:t>2020/5/26</a:t>
+              <a:t>2020/5/28</a:t>
             </a:fld>
             <a:endParaRPr lang="zh-TW" altLang="en-US"/>
           </a:p>
@@ -2966,7 +2971,7 @@
       </p:grpSpPr>
       <p:pic>
         <p:nvPicPr>
-          <p:cNvPr id="2" name="圖片 1"/>
+          <p:cNvPr id="8" name="圖片 7"/>
           <p:cNvPicPr>
             <a:picLocks noChangeAspect="1"/>
           </p:cNvPicPr>
@@ -2986,7 +2991,7 @@
         </p:blipFill>
         <p:spPr>
           <a:xfrm>
-            <a:off x="0" y="450165"/>
+            <a:off x="4023360" y="450165"/>
             <a:ext cx="3931920" cy="5897880"/>
           </a:xfrm>
           <a:prstGeom prst="rect">
@@ -2996,7 +3001,7 @@
       </p:pic>
       <p:pic>
         <p:nvPicPr>
-          <p:cNvPr id="3" name="圖片 2"/>
+          <p:cNvPr id="2" name="圖片 1"/>
           <p:cNvPicPr>
             <a:picLocks noChangeAspect="1"/>
           </p:cNvPicPr>
@@ -3016,7 +3021,7 @@
         </p:blipFill>
         <p:spPr>
           <a:xfrm>
-            <a:off x="4023360" y="450165"/>
+            <a:off x="0" y="450165"/>
             <a:ext cx="3931920" cy="5897880"/>
           </a:xfrm>
           <a:prstGeom prst="rect">
@@ -3092,7 +3097,7 @@
         </p:nvSpPr>
         <p:spPr>
           <a:xfrm>
-            <a:off x="4103580" y="174951"/>
+            <a:off x="4023360" y="174951"/>
             <a:ext cx="447558" cy="369332"/>
           </a:xfrm>
           <a:prstGeom prst="rect">

--- a/fig/fig.pptx
+++ b/fig/fig.pptx
@@ -2971,7 +2971,7 @@
       </p:grpSpPr>
       <p:pic>
         <p:nvPicPr>
-          <p:cNvPr id="8" name="圖片 7"/>
+          <p:cNvPr id="3" name="圖片 2"/>
           <p:cNvPicPr>
             <a:picLocks noChangeAspect="1"/>
           </p:cNvPicPr>

--- a/fig/fig.pptx
+++ b/fig/fig.pptx
@@ -6,6 +6,7 @@
   </p:sldMasterIdLst>
   <p:sldIdLst>
     <p:sldId id="257" r:id="rId2"/>
+    <p:sldId id="258" r:id="rId3"/>
   </p:sldIdLst>
   <p:sldSz cx="12192000" cy="6858000"/>
   <p:notesSz cx="6858000" cy="9144000"/>
@@ -243,7 +244,7 @@
           <a:p>
             <a:fld id="{FF3EFFB7-F378-40CB-A481-21C16C14FDD6}" type="datetimeFigureOut">
               <a:rPr lang="zh-TW" altLang="en-US" smtClean="0"/>
-              <a:t>2020/5/28</a:t>
+              <a:t>2020/6/14</a:t>
             </a:fld>
             <a:endParaRPr lang="zh-TW" altLang="en-US"/>
           </a:p>
@@ -413,7 +414,7 @@
           <a:p>
             <a:fld id="{FF3EFFB7-F378-40CB-A481-21C16C14FDD6}" type="datetimeFigureOut">
               <a:rPr lang="zh-TW" altLang="en-US" smtClean="0"/>
-              <a:t>2020/5/28</a:t>
+              <a:t>2020/6/14</a:t>
             </a:fld>
             <a:endParaRPr lang="zh-TW" altLang="en-US"/>
           </a:p>
@@ -593,7 +594,7 @@
           <a:p>
             <a:fld id="{FF3EFFB7-F378-40CB-A481-21C16C14FDD6}" type="datetimeFigureOut">
               <a:rPr lang="zh-TW" altLang="en-US" smtClean="0"/>
-              <a:t>2020/5/28</a:t>
+              <a:t>2020/6/14</a:t>
             </a:fld>
             <a:endParaRPr lang="zh-TW" altLang="en-US"/>
           </a:p>
@@ -763,7 +764,7 @@
           <a:p>
             <a:fld id="{FF3EFFB7-F378-40CB-A481-21C16C14FDD6}" type="datetimeFigureOut">
               <a:rPr lang="zh-TW" altLang="en-US" smtClean="0"/>
-              <a:t>2020/5/28</a:t>
+              <a:t>2020/6/14</a:t>
             </a:fld>
             <a:endParaRPr lang="zh-TW" altLang="en-US"/>
           </a:p>
@@ -1009,7 +1010,7 @@
           <a:p>
             <a:fld id="{FF3EFFB7-F378-40CB-A481-21C16C14FDD6}" type="datetimeFigureOut">
               <a:rPr lang="zh-TW" altLang="en-US" smtClean="0"/>
-              <a:t>2020/5/28</a:t>
+              <a:t>2020/6/14</a:t>
             </a:fld>
             <a:endParaRPr lang="zh-TW" altLang="en-US"/>
           </a:p>
@@ -1241,7 +1242,7 @@
           <a:p>
             <a:fld id="{FF3EFFB7-F378-40CB-A481-21C16C14FDD6}" type="datetimeFigureOut">
               <a:rPr lang="zh-TW" altLang="en-US" smtClean="0"/>
-              <a:t>2020/5/28</a:t>
+              <a:t>2020/6/14</a:t>
             </a:fld>
             <a:endParaRPr lang="zh-TW" altLang="en-US"/>
           </a:p>
@@ -1608,7 +1609,7 @@
           <a:p>
             <a:fld id="{FF3EFFB7-F378-40CB-A481-21C16C14FDD6}" type="datetimeFigureOut">
               <a:rPr lang="zh-TW" altLang="en-US" smtClean="0"/>
-              <a:t>2020/5/28</a:t>
+              <a:t>2020/6/14</a:t>
             </a:fld>
             <a:endParaRPr lang="zh-TW" altLang="en-US"/>
           </a:p>
@@ -1726,7 +1727,7 @@
           <a:p>
             <a:fld id="{FF3EFFB7-F378-40CB-A481-21C16C14FDD6}" type="datetimeFigureOut">
               <a:rPr lang="zh-TW" altLang="en-US" smtClean="0"/>
-              <a:t>2020/5/28</a:t>
+              <a:t>2020/6/14</a:t>
             </a:fld>
             <a:endParaRPr lang="zh-TW" altLang="en-US"/>
           </a:p>
@@ -1821,7 +1822,7 @@
           <a:p>
             <a:fld id="{FF3EFFB7-F378-40CB-A481-21C16C14FDD6}" type="datetimeFigureOut">
               <a:rPr lang="zh-TW" altLang="en-US" smtClean="0"/>
-              <a:t>2020/5/28</a:t>
+              <a:t>2020/6/14</a:t>
             </a:fld>
             <a:endParaRPr lang="zh-TW" altLang="en-US"/>
           </a:p>
@@ -2098,7 +2099,7 @@
           <a:p>
             <a:fld id="{FF3EFFB7-F378-40CB-A481-21C16C14FDD6}" type="datetimeFigureOut">
               <a:rPr lang="zh-TW" altLang="en-US" smtClean="0"/>
-              <a:t>2020/5/28</a:t>
+              <a:t>2020/6/14</a:t>
             </a:fld>
             <a:endParaRPr lang="zh-TW" altLang="en-US"/>
           </a:p>
@@ -2351,7 +2352,7 @@
           <a:p>
             <a:fld id="{FF3EFFB7-F378-40CB-A481-21C16C14FDD6}" type="datetimeFigureOut">
               <a:rPr lang="zh-TW" altLang="en-US" smtClean="0"/>
-              <a:t>2020/5/28</a:t>
+              <a:t>2020/6/14</a:t>
             </a:fld>
             <a:endParaRPr lang="zh-TW" altLang="en-US"/>
           </a:p>
@@ -2564,7 +2565,7 @@
           <a:p>
             <a:fld id="{FF3EFFB7-F378-40CB-A481-21C16C14FDD6}" type="datetimeFigureOut">
               <a:rPr lang="zh-TW" altLang="en-US" smtClean="0"/>
-              <a:t>2020/5/28</a:t>
+              <a:t>2020/6/14</a:t>
             </a:fld>
             <a:endParaRPr lang="zh-TW" altLang="en-US"/>
           </a:p>
@@ -3162,6 +3163,126 @@
 </p:sld>
 </file>
 
+<file path=ppt/slides/slide2.xml><?xml version="1.0" encoding="utf-8"?>
+<p:sld xmlns:a="http://schemas.openxmlformats.org/drawingml/2006/main" xmlns:r="http://schemas.openxmlformats.org/officeDocument/2006/relationships" xmlns:p="http://schemas.openxmlformats.org/presentationml/2006/main">
+  <p:cSld>
+    <p:spTree>
+      <p:nvGrpSpPr>
+        <p:cNvPr id="1" name=""/>
+        <p:cNvGrpSpPr/>
+        <p:nvPr/>
+      </p:nvGrpSpPr>
+      <p:grpSpPr>
+        <a:xfrm>
+          <a:off x="0" y="0"/>
+          <a:ext cx="0" cy="0"/>
+          <a:chOff x="0" y="0"/>
+          <a:chExt cx="0" cy="0"/>
+        </a:xfrm>
+      </p:grpSpPr>
+      <p:pic>
+        <p:nvPicPr>
+          <p:cNvPr id="2" name="圖片 1"/>
+          <p:cNvPicPr>
+            <a:picLocks noChangeAspect="1"/>
+          </p:cNvPicPr>
+          <p:nvPr/>
+        </p:nvPicPr>
+        <p:blipFill>
+          <a:blip r:embed="rId2" cstate="print">
+            <a:extLst>
+              <a:ext uri="{28A0092B-C50C-407E-A947-70E740481C1C}">
+                <a14:useLocalDpi xmlns:a14="http://schemas.microsoft.com/office/drawing/2010/main" val="0"/>
+              </a:ext>
+            </a:extLst>
+          </a:blip>
+          <a:stretch>
+            <a:fillRect/>
+          </a:stretch>
+        </p:blipFill>
+        <p:spPr>
+          <a:xfrm>
+            <a:off x="2552700" y="0"/>
+            <a:ext cx="3429000" cy="6858000"/>
+          </a:xfrm>
+          <a:prstGeom prst="rect">
+            <a:avLst/>
+          </a:prstGeom>
+        </p:spPr>
+      </p:pic>
+      <p:pic>
+        <p:nvPicPr>
+          <p:cNvPr id="3" name="圖片 2"/>
+          <p:cNvPicPr>
+            <a:picLocks noChangeAspect="1"/>
+          </p:cNvPicPr>
+          <p:nvPr/>
+        </p:nvPicPr>
+        <p:blipFill>
+          <a:blip r:embed="rId3" cstate="print">
+            <a:extLst>
+              <a:ext uri="{28A0092B-C50C-407E-A947-70E740481C1C}">
+                <a14:useLocalDpi xmlns:a14="http://schemas.microsoft.com/office/drawing/2010/main" val="0"/>
+              </a:ext>
+            </a:extLst>
+          </a:blip>
+          <a:stretch>
+            <a:fillRect/>
+          </a:stretch>
+        </p:blipFill>
+        <p:spPr>
+          <a:xfrm>
+            <a:off x="5981700" y="0"/>
+            <a:ext cx="3429000" cy="3429000"/>
+          </a:xfrm>
+          <a:prstGeom prst="rect">
+            <a:avLst/>
+          </a:prstGeom>
+        </p:spPr>
+      </p:pic>
+      <p:pic>
+        <p:nvPicPr>
+          <p:cNvPr id="4" name="圖片 3"/>
+          <p:cNvPicPr>
+            <a:picLocks noChangeAspect="1"/>
+          </p:cNvPicPr>
+          <p:nvPr/>
+        </p:nvPicPr>
+        <p:blipFill>
+          <a:blip r:embed="rId4">
+            <a:extLst>
+              <a:ext uri="{28A0092B-C50C-407E-A947-70E740481C1C}">
+                <a14:useLocalDpi xmlns:a14="http://schemas.microsoft.com/office/drawing/2010/main" val="0"/>
+              </a:ext>
+            </a:extLst>
+          </a:blip>
+          <a:stretch>
+            <a:fillRect/>
+          </a:stretch>
+        </p:blipFill>
+        <p:spPr>
+          <a:xfrm>
+            <a:off x="5981700" y="3429000"/>
+            <a:ext cx="3429000" cy="3429000"/>
+          </a:xfrm>
+          <a:prstGeom prst="rect">
+            <a:avLst/>
+          </a:prstGeom>
+        </p:spPr>
+      </p:pic>
+    </p:spTree>
+    <p:extLst>
+      <p:ext uri="{BB962C8B-B14F-4D97-AF65-F5344CB8AC3E}">
+        <p14:creationId xmlns:p14="http://schemas.microsoft.com/office/powerpoint/2010/main" val="2454311619"/>
+      </p:ext>
+    </p:extLst>
+  </p:cSld>
+  <p:clrMapOvr>
+    <a:masterClrMapping/>
+  </p:clrMapOvr>
+</p:sld>
+</file>
+
 <file path=ppt/theme/theme1.xml><?xml version="1.0" encoding="utf-8"?>
 <a:theme xmlns:a="http://schemas.openxmlformats.org/drawingml/2006/main" name="Office 佈景主題">
   <a:themeElements>
